--- a/poster/methods-diagram.pptx
+++ b/poster/methods-diagram.pptx
@@ -288,7 +288,7 @@
           <a:p>
             <a:fld id="{F8A589B4-88DB-4707-AD51-E465BFA61C5A}" type="datetimeFigureOut">
               <a:rPr lang="en-CA" smtClean="0"/>
-              <a:t>07/04/2014</a:t>
+              <a:t>08/04/2014</a:t>
             </a:fld>
             <a:endParaRPr lang="en-CA"/>
           </a:p>
@@ -458,7 +458,7 @@
           <a:p>
             <a:fld id="{F8A589B4-88DB-4707-AD51-E465BFA61C5A}" type="datetimeFigureOut">
               <a:rPr lang="en-CA" smtClean="0"/>
-              <a:t>07/04/2014</a:t>
+              <a:t>08/04/2014</a:t>
             </a:fld>
             <a:endParaRPr lang="en-CA"/>
           </a:p>
@@ -638,7 +638,7 @@
           <a:p>
             <a:fld id="{F8A589B4-88DB-4707-AD51-E465BFA61C5A}" type="datetimeFigureOut">
               <a:rPr lang="en-CA" smtClean="0"/>
-              <a:t>07/04/2014</a:t>
+              <a:t>08/04/2014</a:t>
             </a:fld>
             <a:endParaRPr lang="en-CA"/>
           </a:p>
@@ -808,7 +808,7 @@
           <a:p>
             <a:fld id="{F8A589B4-88DB-4707-AD51-E465BFA61C5A}" type="datetimeFigureOut">
               <a:rPr lang="en-CA" smtClean="0"/>
-              <a:t>07/04/2014</a:t>
+              <a:t>08/04/2014</a:t>
             </a:fld>
             <a:endParaRPr lang="en-CA"/>
           </a:p>
@@ -1054,7 +1054,7 @@
           <a:p>
             <a:fld id="{F8A589B4-88DB-4707-AD51-E465BFA61C5A}" type="datetimeFigureOut">
               <a:rPr lang="en-CA" smtClean="0"/>
-              <a:t>07/04/2014</a:t>
+              <a:t>08/04/2014</a:t>
             </a:fld>
             <a:endParaRPr lang="en-CA"/>
           </a:p>
@@ -1342,7 +1342,7 @@
           <a:p>
             <a:fld id="{F8A589B4-88DB-4707-AD51-E465BFA61C5A}" type="datetimeFigureOut">
               <a:rPr lang="en-CA" smtClean="0"/>
-              <a:t>07/04/2014</a:t>
+              <a:t>08/04/2014</a:t>
             </a:fld>
             <a:endParaRPr lang="en-CA"/>
           </a:p>
@@ -1764,7 +1764,7 @@
           <a:p>
             <a:fld id="{F8A589B4-88DB-4707-AD51-E465BFA61C5A}" type="datetimeFigureOut">
               <a:rPr lang="en-CA" smtClean="0"/>
-              <a:t>07/04/2014</a:t>
+              <a:t>08/04/2014</a:t>
             </a:fld>
             <a:endParaRPr lang="en-CA"/>
           </a:p>
@@ -1882,7 +1882,7 @@
           <a:p>
             <a:fld id="{F8A589B4-88DB-4707-AD51-E465BFA61C5A}" type="datetimeFigureOut">
               <a:rPr lang="en-CA" smtClean="0"/>
-              <a:t>07/04/2014</a:t>
+              <a:t>08/04/2014</a:t>
             </a:fld>
             <a:endParaRPr lang="en-CA"/>
           </a:p>
@@ -1977,7 +1977,7 @@
           <a:p>
             <a:fld id="{F8A589B4-88DB-4707-AD51-E465BFA61C5A}" type="datetimeFigureOut">
               <a:rPr lang="en-CA" smtClean="0"/>
-              <a:t>07/04/2014</a:t>
+              <a:t>08/04/2014</a:t>
             </a:fld>
             <a:endParaRPr lang="en-CA"/>
           </a:p>
@@ -2254,7 +2254,7 @@
           <a:p>
             <a:fld id="{F8A589B4-88DB-4707-AD51-E465BFA61C5A}" type="datetimeFigureOut">
               <a:rPr lang="en-CA" smtClean="0"/>
-              <a:t>07/04/2014</a:t>
+              <a:t>08/04/2014</a:t>
             </a:fld>
             <a:endParaRPr lang="en-CA"/>
           </a:p>
@@ -2507,7 +2507,7 @@
           <a:p>
             <a:fld id="{F8A589B4-88DB-4707-AD51-E465BFA61C5A}" type="datetimeFigureOut">
               <a:rPr lang="en-CA" smtClean="0"/>
-              <a:t>07/04/2014</a:t>
+              <a:t>08/04/2014</a:t>
             </a:fld>
             <a:endParaRPr lang="en-CA"/>
           </a:p>
@@ -2720,7 +2720,7 @@
           <a:p>
             <a:fld id="{F8A589B4-88DB-4707-AD51-E465BFA61C5A}" type="datetimeFigureOut">
               <a:rPr lang="en-CA" smtClean="0"/>
-              <a:t>07/04/2014</a:t>
+              <a:t>08/04/2014</a:t>
             </a:fld>
             <a:endParaRPr lang="en-CA"/>
           </a:p>
@@ -3727,7 +3727,15 @@
             </a:pPr>
             <a:r>
               <a:rPr lang="en-CA" dirty="0" smtClean="0"/>
-              <a:t>3 CNV events</a:t>
+              <a:t>3 </a:t>
+            </a:r>
+            <a:r>
+              <a:rPr lang="en-CA" dirty="0" smtClean="0"/>
+              <a:t>CNA </a:t>
+            </a:r>
+            <a:r>
+              <a:rPr lang="en-CA" dirty="0" smtClean="0"/>
+              <a:t>events</a:t>
             </a:r>
           </a:p>
         </p:txBody>
